--- a/ppt/9 内部排序.pptx
+++ b/ppt/9 内部排序.pptx
@@ -228,7 +228,7 @@
           <a:p>
             <a:fld id="{66C3546E-20F6-7649-A9A4-4E4A245D3E82}" type="datetimeFigureOut">
               <a:rPr kumimoji="1" lang="zh-CN" altLang="en-US" smtClean="0"/>
-              <a:t>2019/12/10</a:t>
+              <a:t>2020/5/28</a:t>
             </a:fld>
             <a:endParaRPr kumimoji="1" lang="zh-CN" altLang="en-US"/>
           </a:p>
@@ -918,7 +918,7 @@
           <a:p>
             <a:fld id="{1C49BB65-7B3F-4D4E-A397-BBFD82890A5A}" type="datetimeFigureOut">
               <a:rPr kumimoji="1" lang="zh-CN" altLang="en-US" smtClean="0"/>
-              <a:t>2019/12/10</a:t>
+              <a:t>2020/5/28</a:t>
             </a:fld>
             <a:endParaRPr kumimoji="1" lang="zh-CN" altLang="en-US"/>
           </a:p>
@@ -1116,7 +1116,7 @@
           <a:p>
             <a:fld id="{1C49BB65-7B3F-4D4E-A397-BBFD82890A5A}" type="datetimeFigureOut">
               <a:rPr kumimoji="1" lang="zh-CN" altLang="en-US" smtClean="0"/>
-              <a:t>2019/12/10</a:t>
+              <a:t>2020/5/28</a:t>
             </a:fld>
             <a:endParaRPr kumimoji="1" lang="zh-CN" altLang="en-US"/>
           </a:p>
@@ -1324,7 +1324,7 @@
           <a:p>
             <a:fld id="{1C49BB65-7B3F-4D4E-A397-BBFD82890A5A}" type="datetimeFigureOut">
               <a:rPr kumimoji="1" lang="zh-CN" altLang="en-US" smtClean="0"/>
-              <a:t>2019/12/10</a:t>
+              <a:t>2020/5/28</a:t>
             </a:fld>
             <a:endParaRPr kumimoji="1" lang="zh-CN" altLang="en-US"/>
           </a:p>
@@ -1522,7 +1522,7 @@
           <a:p>
             <a:fld id="{1C49BB65-7B3F-4D4E-A397-BBFD82890A5A}" type="datetimeFigureOut">
               <a:rPr kumimoji="1" lang="zh-CN" altLang="en-US" smtClean="0"/>
-              <a:t>2019/12/10</a:t>
+              <a:t>2020/5/28</a:t>
             </a:fld>
             <a:endParaRPr kumimoji="1" lang="zh-CN" altLang="en-US"/>
           </a:p>
@@ -1797,7 +1797,7 @@
           <a:p>
             <a:fld id="{1C49BB65-7B3F-4D4E-A397-BBFD82890A5A}" type="datetimeFigureOut">
               <a:rPr kumimoji="1" lang="zh-CN" altLang="en-US" smtClean="0"/>
-              <a:t>2019/12/10</a:t>
+              <a:t>2020/5/28</a:t>
             </a:fld>
             <a:endParaRPr kumimoji="1" lang="zh-CN" altLang="en-US"/>
           </a:p>
@@ -2062,7 +2062,7 @@
           <a:p>
             <a:fld id="{1C49BB65-7B3F-4D4E-A397-BBFD82890A5A}" type="datetimeFigureOut">
               <a:rPr kumimoji="1" lang="zh-CN" altLang="en-US" smtClean="0"/>
-              <a:t>2019/12/10</a:t>
+              <a:t>2020/5/28</a:t>
             </a:fld>
             <a:endParaRPr kumimoji="1" lang="zh-CN" altLang="en-US"/>
           </a:p>
@@ -2474,7 +2474,7 @@
           <a:p>
             <a:fld id="{1C49BB65-7B3F-4D4E-A397-BBFD82890A5A}" type="datetimeFigureOut">
               <a:rPr kumimoji="1" lang="zh-CN" altLang="en-US" smtClean="0"/>
-              <a:t>2019/12/10</a:t>
+              <a:t>2020/5/28</a:t>
             </a:fld>
             <a:endParaRPr kumimoji="1" lang="zh-CN" altLang="en-US"/>
           </a:p>
@@ -2615,7 +2615,7 @@
           <a:p>
             <a:fld id="{1C49BB65-7B3F-4D4E-A397-BBFD82890A5A}" type="datetimeFigureOut">
               <a:rPr kumimoji="1" lang="zh-CN" altLang="en-US" smtClean="0"/>
-              <a:t>2019/12/10</a:t>
+              <a:t>2020/5/28</a:t>
             </a:fld>
             <a:endParaRPr kumimoji="1" lang="zh-CN" altLang="en-US"/>
           </a:p>
@@ -2985,7 +2985,7 @@
           <a:p>
             <a:fld id="{1C49BB65-7B3F-4D4E-A397-BBFD82890A5A}" type="datetimeFigureOut">
               <a:rPr kumimoji="1" lang="zh-CN" altLang="en-US" smtClean="0"/>
-              <a:t>2019/12/10</a:t>
+              <a:t>2020/5/28</a:t>
             </a:fld>
             <a:endParaRPr kumimoji="1" lang="zh-CN" altLang="en-US"/>
           </a:p>
@@ -3273,7 +3273,7 @@
           <a:p>
             <a:fld id="{1C49BB65-7B3F-4D4E-A397-BBFD82890A5A}" type="datetimeFigureOut">
               <a:rPr kumimoji="1" lang="zh-CN" altLang="en-US" smtClean="0"/>
-              <a:t>2019/12/10</a:t>
+              <a:t>2020/5/28</a:t>
             </a:fld>
             <a:endParaRPr kumimoji="1" lang="zh-CN" altLang="en-US"/>
           </a:p>
@@ -3514,7 +3514,7 @@
           <a:p>
             <a:fld id="{1C49BB65-7B3F-4D4E-A397-BBFD82890A5A}" type="datetimeFigureOut">
               <a:rPr kumimoji="1" lang="zh-CN" altLang="en-US" smtClean="0"/>
-              <a:t>2019/12/10</a:t>
+              <a:t>2020/5/28</a:t>
             </a:fld>
             <a:endParaRPr kumimoji="1" lang="zh-CN" altLang="en-US"/>
           </a:p>
@@ -4074,7 +4074,28 @@
                 <a:latin typeface="Microsoft YaHei" panose="020B0503020204020204" pitchFamily="34" charset="-122"/>
                 <a:ea typeface="Microsoft YaHei" panose="020B0503020204020204" pitchFamily="34" charset="-122"/>
               </a:rPr>
-              <a:t>第四节课 排序</a:t>
+              <a:t>第</a:t>
+            </a:r>
+            <a:r>
+              <a:rPr kumimoji="1" lang="en-US" altLang="zh-CN" sz="4000">
+                <a:latin typeface="Microsoft YaHei" panose="020B0503020204020204" pitchFamily="34" charset="-122"/>
+                <a:ea typeface="Microsoft YaHei" panose="020B0503020204020204" pitchFamily="34" charset="-122"/>
+              </a:rPr>
+              <a:t>11</a:t>
+            </a:r>
+            <a:r>
+              <a:rPr kumimoji="1" lang="zh-CN" altLang="en-US" sz="4000">
+                <a:latin typeface="Microsoft YaHei" panose="020B0503020204020204" pitchFamily="34" charset="-122"/>
+                <a:ea typeface="Microsoft YaHei" panose="020B0503020204020204" pitchFamily="34" charset="-122"/>
+              </a:rPr>
+              <a:t>节</a:t>
+            </a:r>
+            <a:r>
+              <a:rPr kumimoji="1" lang="zh-CN" altLang="en-US" sz="4000" dirty="0">
+                <a:latin typeface="Microsoft YaHei" panose="020B0503020204020204" pitchFamily="34" charset="-122"/>
+                <a:ea typeface="Microsoft YaHei" panose="020B0503020204020204" pitchFamily="34" charset="-122"/>
+              </a:rPr>
+              <a:t>课 排序</a:t>
             </a:r>
           </a:p>
         </p:txBody>
